--- a/docs/diagrams/EmailActivityDiagram.pptx
+++ b/docs/diagrams/EmailActivityDiagram.pptx
@@ -104,6 +104,11 @@
       </a:defRPr>
     </a:lvl9pPr>
   </p:defaultTextStyle>
+  <p:extLst>
+    <p:ext uri="{EFAFB233-063F-42B5-8137-9DF3F51BA10A}">
+      <p15:sldGuideLst xmlns:p15="http://schemas.microsoft.com/office/powerpoint/2012/main"/>
+    </p:ext>
+  </p:extLst>
 </p:presentation>
 </file>
 
@@ -3916,51 +3921,6 @@
           </a:fontRef>
         </p:style>
       </p:cxnSp>
-      <p:cxnSp>
-        <p:nvCxnSpPr>
-          <p:cNvPr id="17" name="Elbow Connector 73">
-            <a:extLst>
-              <a:ext uri="{FF2B5EF4-FFF2-40B4-BE49-F238E27FC236}">
-                <a16:creationId xmlns:a16="http://schemas.microsoft.com/office/drawing/2014/main" id="{298345F4-4E31-4AAC-91A6-266185F71C55}"/>
-              </a:ext>
-            </a:extLst>
-          </p:cNvPr>
-          <p:cNvCxnSpPr>
-            <a:cxnSpLocks/>
-            <a:stCxn id="10" idx="3"/>
-            <a:endCxn id="21" idx="1"/>
-          </p:cNvCxnSpPr>
-          <p:nvPr/>
-        </p:nvCxnSpPr>
-        <p:spPr>
-          <a:xfrm flipV="1">
-            <a:off x="7474226" y="2233675"/>
-            <a:ext cx="1184979" cy="1579"/>
-          </a:xfrm>
-          <a:prstGeom prst="bentConnector3">
-            <a:avLst>
-              <a:gd name="adj1" fmla="val 50000"/>
-            </a:avLst>
-          </a:prstGeom>
-          <a:ln>
-            <a:tailEnd type="triangle"/>
-          </a:ln>
-        </p:spPr>
-        <p:style>
-          <a:lnRef idx="1">
-            <a:schemeClr val="dk1"/>
-          </a:lnRef>
-          <a:fillRef idx="0">
-            <a:schemeClr val="dk1"/>
-          </a:fillRef>
-          <a:effectRef idx="0">
-            <a:schemeClr val="dk1"/>
-          </a:effectRef>
-          <a:fontRef idx="minor">
-            <a:schemeClr val="tx1"/>
-          </a:fontRef>
-        </p:style>
-      </p:cxnSp>
       <p:sp>
         <p:nvSpPr>
           <p:cNvPr id="18" name="Diamond 17">
@@ -4201,17 +4161,111 @@
           </a:fontRef>
         </p:style>
       </p:cxnSp>
+      <p:sp>
+        <p:nvSpPr>
+          <p:cNvPr id="25" name="Rectangle: Rounded Corners 24">
+            <a:extLst>
+              <a:ext uri="{FF2B5EF4-FFF2-40B4-BE49-F238E27FC236}">
+                <a16:creationId xmlns:a16="http://schemas.microsoft.com/office/drawing/2014/main" id="{4E996AA6-F33C-4661-96F5-13A92E3BF510}"/>
+              </a:ext>
+            </a:extLst>
+          </p:cNvPr>
+          <p:cNvSpPr/>
+          <p:nvPr/>
+        </p:nvSpPr>
+        <p:spPr>
+          <a:xfrm>
+            <a:off x="7357600" y="3808088"/>
+            <a:ext cx="1588427" cy="814659"/>
+          </a:xfrm>
+          <a:prstGeom prst="roundRect">
+            <a:avLst/>
+          </a:prstGeom>
+        </p:spPr>
+        <p:style>
+          <a:lnRef idx="1">
+            <a:schemeClr val="accent6"/>
+          </a:lnRef>
+          <a:fillRef idx="2">
+            <a:schemeClr val="accent6"/>
+          </a:fillRef>
+          <a:effectRef idx="1">
+            <a:schemeClr val="accent6"/>
+          </a:effectRef>
+          <a:fontRef idx="minor">
+            <a:schemeClr val="dk1"/>
+          </a:fontRef>
+        </p:style>
+        <p:txBody>
+          <a:bodyPr rot="0" spcFirstLastPara="0" vertOverflow="overflow" horzOverflow="overflow" vert="horz" wrap="square" lIns="91440" tIns="45721" rIns="91440" bIns="45721" numCol="1" spcCol="0" rtlCol="0" fromWordArt="0" anchor="ctr" anchorCtr="0" forceAA="0" compatLnSpc="1">
+            <a:prstTxWarp prst="textNoShape">
+              <a:avLst/>
+            </a:prstTxWarp>
+            <a:noAutofit/>
+          </a:bodyPr>
+          <a:lstStyle/>
+          <a:p>
+            <a:pPr algn="ctr"/>
+            <a:r>
+              <a:rPr lang="en-SG" sz="1801" dirty="0"/>
+              <a:t>Displays error message</a:t>
+            </a:r>
+          </a:p>
+        </p:txBody>
+      </p:sp>
       <p:cxnSp>
         <p:nvCxnSpPr>
-          <p:cNvPr id="23" name="Connector: Elbow 22">
-            <a:extLst>
-              <a:ext uri="{FF2B5EF4-FFF2-40B4-BE49-F238E27FC236}">
-                <a16:creationId xmlns:a16="http://schemas.microsoft.com/office/drawing/2014/main" id="{BA9E216B-DB67-4409-86EC-EE06B9DF6161}"/>
+          <p:cNvPr id="26" name="Elbow Connector 71">
+            <a:extLst>
+              <a:ext uri="{FF2B5EF4-FFF2-40B4-BE49-F238E27FC236}">
+                <a16:creationId xmlns:a16="http://schemas.microsoft.com/office/drawing/2014/main" id="{F0C56881-2946-4F6C-97F4-55D2B48024E7}"/>
               </a:ext>
             </a:extLst>
           </p:cNvPr>
           <p:cNvCxnSpPr>
             <a:cxnSpLocks/>
+            <a:stCxn id="25" idx="3"/>
+            <a:endCxn id="18" idx="2"/>
+          </p:cNvCxnSpPr>
+          <p:nvPr/>
+        </p:nvCxnSpPr>
+        <p:spPr>
+          <a:xfrm flipV="1">
+            <a:off x="8946027" y="3555323"/>
+            <a:ext cx="1515827" cy="660095"/>
+          </a:xfrm>
+          <a:prstGeom prst="bentConnector2">
+            <a:avLst/>
+          </a:prstGeom>
+          <a:ln>
+            <a:tailEnd type="triangle"/>
+          </a:ln>
+        </p:spPr>
+        <p:style>
+          <a:lnRef idx="1">
+            <a:schemeClr val="dk1"/>
+          </a:lnRef>
+          <a:fillRef idx="0">
+            <a:schemeClr val="dk1"/>
+          </a:fillRef>
+          <a:effectRef idx="0">
+            <a:schemeClr val="dk1"/>
+          </a:effectRef>
+          <a:fontRef idx="minor">
+            <a:schemeClr val="tx1"/>
+          </a:fontRef>
+        </p:style>
+      </p:cxnSp>
+      <p:cxnSp>
+        <p:nvCxnSpPr>
+          <p:cNvPr id="3" name="Connector: Elbow 2">
+            <a:extLst>
+              <a:ext uri="{FF2B5EF4-FFF2-40B4-BE49-F238E27FC236}">
+                <a16:creationId xmlns:a16="http://schemas.microsoft.com/office/drawing/2014/main" id="{AC60D099-3CF4-41E7-B9D3-77537863BB34}"/>
+              </a:ext>
+            </a:extLst>
+          </p:cNvPr>
+          <p:cNvCxnSpPr>
             <a:stCxn id="21" idx="3"/>
             <a:endCxn id="18" idx="0"/>
           </p:cNvCxnSpPr>
@@ -4244,80 +4298,27 @@
           </a:fontRef>
         </p:style>
       </p:cxnSp>
-      <p:sp>
-        <p:nvSpPr>
-          <p:cNvPr id="25" name="Rectangle: Rounded Corners 24">
-            <a:extLst>
-              <a:ext uri="{FF2B5EF4-FFF2-40B4-BE49-F238E27FC236}">
-                <a16:creationId xmlns:a16="http://schemas.microsoft.com/office/drawing/2014/main" id="{4E996AA6-F33C-4661-96F5-13A92E3BF510}"/>
-              </a:ext>
-            </a:extLst>
-          </p:cNvPr>
-          <p:cNvSpPr/>
-          <p:nvPr/>
-        </p:nvSpPr>
-        <p:spPr>
-          <a:xfrm>
-            <a:off x="7357600" y="3808088"/>
-            <a:ext cx="1588427" cy="814659"/>
-          </a:xfrm>
-          <a:prstGeom prst="roundRect">
-            <a:avLst/>
-          </a:prstGeom>
-        </p:spPr>
-        <p:style>
-          <a:lnRef idx="1">
-            <a:schemeClr val="accent6"/>
-          </a:lnRef>
-          <a:fillRef idx="2">
-            <a:schemeClr val="accent6"/>
-          </a:fillRef>
-          <a:effectRef idx="1">
-            <a:schemeClr val="accent6"/>
-          </a:effectRef>
-          <a:fontRef idx="minor">
-            <a:schemeClr val="dk1"/>
-          </a:fontRef>
-        </p:style>
-        <p:txBody>
-          <a:bodyPr rot="0" spcFirstLastPara="0" vertOverflow="overflow" horzOverflow="overflow" vert="horz" wrap="square" lIns="91440" tIns="45721" rIns="91440" bIns="45721" numCol="1" spcCol="0" rtlCol="0" fromWordArt="0" anchor="ctr" anchorCtr="0" forceAA="0" compatLnSpc="1">
-            <a:prstTxWarp prst="textNoShape">
-              <a:avLst/>
-            </a:prstTxWarp>
-            <a:noAutofit/>
-          </a:bodyPr>
-          <a:lstStyle/>
-          <a:p>
-            <a:pPr algn="ctr"/>
-            <a:r>
-              <a:rPr lang="en-SG" sz="1801" dirty="0"/>
-              <a:t>Displays error message</a:t>
-            </a:r>
-          </a:p>
-        </p:txBody>
-      </p:sp>
       <p:cxnSp>
         <p:nvCxnSpPr>
-          <p:cNvPr id="26" name="Elbow Connector 71">
-            <a:extLst>
-              <a:ext uri="{FF2B5EF4-FFF2-40B4-BE49-F238E27FC236}">
-                <a16:creationId xmlns:a16="http://schemas.microsoft.com/office/drawing/2014/main" id="{F0C56881-2946-4F6C-97F4-55D2B48024E7}"/>
+          <p:cNvPr id="27" name="Straight Arrow Connector 26">
+            <a:extLst>
+              <a:ext uri="{FF2B5EF4-FFF2-40B4-BE49-F238E27FC236}">
+                <a16:creationId xmlns:a16="http://schemas.microsoft.com/office/drawing/2014/main" id="{81451537-EA3C-4A94-A133-48A88F3D1425}"/>
               </a:ext>
             </a:extLst>
           </p:cNvPr>
           <p:cNvCxnSpPr>
-            <a:cxnSpLocks/>
-            <a:stCxn id="25" idx="3"/>
-            <a:endCxn id="18" idx="2"/>
+            <a:stCxn id="10" idx="3"/>
+            <a:endCxn id="21" idx="1"/>
           </p:cNvCxnSpPr>
           <p:nvPr/>
         </p:nvCxnSpPr>
         <p:spPr>
           <a:xfrm flipV="1">
-            <a:off x="8946027" y="3555323"/>
-            <a:ext cx="1515827" cy="660095"/>
+            <a:off x="7474226" y="2233675"/>
+            <a:ext cx="1184979" cy="1579"/>
           </a:xfrm>
-          <a:prstGeom prst="bentConnector2">
+          <a:prstGeom prst="straightConnector1">
             <a:avLst/>
           </a:prstGeom>
           <a:ln>

--- a/docs/diagrams/EmailActivityDiagram.pptx
+++ b/docs/diagrams/EmailActivityDiagram.pptx
@@ -3621,8 +3621,8 @@
         </p:nvSpPr>
         <p:spPr>
           <a:xfrm>
-            <a:off x="5885799" y="1827924"/>
-            <a:ext cx="1588427" cy="814659"/>
+            <a:off x="5885800" y="1827924"/>
+            <a:ext cx="1588426" cy="814659"/>
           </a:xfrm>
           <a:prstGeom prst="roundRect">
             <a:avLst/>
@@ -3678,7 +3678,7 @@
         </p:nvSpPr>
         <p:spPr>
           <a:xfrm>
-            <a:off x="5163352" y="3074557"/>
+            <a:off x="5169984" y="3074557"/>
             <a:ext cx="480766" cy="480766"/>
           </a:xfrm>
           <a:prstGeom prst="diamond">
@@ -3846,14 +3846,15 @@
           </p:cNvPr>
           <p:cNvCxnSpPr>
             <a:cxnSpLocks/>
+            <a:stCxn id="19" idx="3"/>
             <a:endCxn id="11" idx="1"/>
           </p:cNvCxnSpPr>
           <p:nvPr/>
         </p:nvCxnSpPr>
         <p:spPr>
           <a:xfrm flipV="1">
-            <a:off x="4827382" y="3314940"/>
-            <a:ext cx="335970" cy="842"/>
+            <a:off x="4834405" y="3314940"/>
+            <a:ext cx="335579" cy="840"/>
           </a:xfrm>
           <a:prstGeom prst="bentConnector3">
             <a:avLst>
@@ -3896,7 +3897,7 @@
         </p:nvCxnSpPr>
         <p:spPr>
           <a:xfrm rot="16200000" flipH="1">
-            <a:off x="6052864" y="2906194"/>
+            <a:off x="6059496" y="2906194"/>
             <a:ext cx="655607" cy="1953864"/>
           </a:xfrm>
           <a:prstGeom prst="bentConnector2">
@@ -4040,8 +4041,8 @@
         </p:nvCxnSpPr>
         <p:spPr>
           <a:xfrm rot="5400000" flipH="1" flipV="1">
-            <a:off x="5225116" y="2413874"/>
-            <a:ext cx="839303" cy="482064"/>
+            <a:off x="5228432" y="2417190"/>
+            <a:ext cx="839303" cy="475433"/>
           </a:xfrm>
           <a:prstGeom prst="bentConnector2">
             <a:avLst/>
@@ -4258,25 +4259,26 @@
       </p:cxnSp>
       <p:cxnSp>
         <p:nvCxnSpPr>
-          <p:cNvPr id="3" name="Connector: Elbow 2">
-            <a:extLst>
-              <a:ext uri="{FF2B5EF4-FFF2-40B4-BE49-F238E27FC236}">
-                <a16:creationId xmlns:a16="http://schemas.microsoft.com/office/drawing/2014/main" id="{AC60D099-3CF4-41E7-B9D3-77537863BB34}"/>
+          <p:cNvPr id="27" name="Straight Arrow Connector 26">
+            <a:extLst>
+              <a:ext uri="{FF2B5EF4-FFF2-40B4-BE49-F238E27FC236}">
+                <a16:creationId xmlns:a16="http://schemas.microsoft.com/office/drawing/2014/main" id="{81451537-EA3C-4A94-A133-48A88F3D1425}"/>
               </a:ext>
             </a:extLst>
           </p:cNvPr>
           <p:cNvCxnSpPr>
-            <a:stCxn id="21" idx="3"/>
-            <a:endCxn id="18" idx="0"/>
+            <a:cxnSpLocks/>
+            <a:stCxn id="10" idx="3"/>
+            <a:endCxn id="21" idx="1"/>
           </p:cNvCxnSpPr>
           <p:nvPr/>
         </p:nvCxnSpPr>
         <p:spPr>
-          <a:xfrm>
-            <a:off x="10098157" y="2233675"/>
-            <a:ext cx="363697" cy="840882"/>
+          <a:xfrm flipV="1">
+            <a:off x="7474226" y="2233675"/>
+            <a:ext cx="1184979" cy="1579"/>
           </a:xfrm>
-          <a:prstGeom prst="bentConnector2">
+          <a:prstGeom prst="straightConnector1">
             <a:avLst/>
           </a:prstGeom>
           <a:ln>
@@ -4300,25 +4302,25 @@
       </p:cxnSp>
       <p:cxnSp>
         <p:nvCxnSpPr>
-          <p:cNvPr id="27" name="Straight Arrow Connector 26">
-            <a:extLst>
-              <a:ext uri="{FF2B5EF4-FFF2-40B4-BE49-F238E27FC236}">
-                <a16:creationId xmlns:a16="http://schemas.microsoft.com/office/drawing/2014/main" id="{81451537-EA3C-4A94-A133-48A88F3D1425}"/>
+          <p:cNvPr id="3" name="Connector: Elbow 2">
+            <a:extLst>
+              <a:ext uri="{FF2B5EF4-FFF2-40B4-BE49-F238E27FC236}">
+                <a16:creationId xmlns:a16="http://schemas.microsoft.com/office/drawing/2014/main" id="{AC60D099-3CF4-41E7-B9D3-77537863BB34}"/>
               </a:ext>
             </a:extLst>
           </p:cNvPr>
           <p:cNvCxnSpPr>
-            <a:stCxn id="10" idx="3"/>
-            <a:endCxn id="21" idx="1"/>
+            <a:stCxn id="21" idx="3"/>
+            <a:endCxn id="18" idx="0"/>
           </p:cNvCxnSpPr>
           <p:nvPr/>
         </p:nvCxnSpPr>
         <p:spPr>
-          <a:xfrm flipV="1">
-            <a:off x="7474226" y="2233675"/>
-            <a:ext cx="1184979" cy="1579"/>
+          <a:xfrm>
+            <a:off x="10098157" y="2233675"/>
+            <a:ext cx="363697" cy="840882"/>
           </a:xfrm>
-          <a:prstGeom prst="straightConnector1">
+          <a:prstGeom prst="bentConnector2">
             <a:avLst/>
           </a:prstGeom>
           <a:ln>
